--- a/docs/diagrams/Diagrams.pptx
+++ b/docs/diagrams/Diagrams.pptx
@@ -217,7 +217,7 @@
             <a:fld id="{F5CC4B3F-88C1-4FFA-B1B6-F41C21DC6924}" type="datetimeFigureOut">
               <a:rPr lang="en-US" smtClean="0"/>
               <a:pPr/>
-              <a:t>10/27/2016</a:t>
+              <a:t>11/6/2016</a:t>
             </a:fld>
             <a:endParaRPr lang="en-US"/>
           </a:p>
@@ -668,7 +668,7 @@
             <a:fld id="{78C97017-6FC3-485B-9764-EAC9E56C1D49}" type="datetimeFigureOut">
               <a:rPr lang="en-US" smtClean="0"/>
               <a:pPr/>
-              <a:t>10/27/2016</a:t>
+              <a:t>11/6/2016</a:t>
             </a:fld>
             <a:endParaRPr lang="en-US"/>
           </a:p>
@@ -840,7 +840,7 @@
             <a:fld id="{78C97017-6FC3-485B-9764-EAC9E56C1D49}" type="datetimeFigureOut">
               <a:rPr lang="en-US" smtClean="0"/>
               <a:pPr/>
-              <a:t>10/27/2016</a:t>
+              <a:t>11/6/2016</a:t>
             </a:fld>
             <a:endParaRPr lang="en-US"/>
           </a:p>
@@ -1022,7 +1022,7 @@
             <a:fld id="{78C97017-6FC3-485B-9764-EAC9E56C1D49}" type="datetimeFigureOut">
               <a:rPr lang="en-US" smtClean="0"/>
               <a:pPr/>
-              <a:t>10/27/2016</a:t>
+              <a:t>11/6/2016</a:t>
             </a:fld>
             <a:endParaRPr lang="en-US"/>
           </a:p>
@@ -1194,7 +1194,7 @@
             <a:fld id="{78C97017-6FC3-485B-9764-EAC9E56C1D49}" type="datetimeFigureOut">
               <a:rPr lang="en-US" smtClean="0"/>
               <a:pPr/>
-              <a:t>10/27/2016</a:t>
+              <a:t>11/6/2016</a:t>
             </a:fld>
             <a:endParaRPr lang="en-US"/>
           </a:p>
@@ -1442,7 +1442,7 @@
             <a:fld id="{78C97017-6FC3-485B-9764-EAC9E56C1D49}" type="datetimeFigureOut">
               <a:rPr lang="en-US" smtClean="0"/>
               <a:pPr/>
-              <a:t>10/27/2016</a:t>
+              <a:t>11/6/2016</a:t>
             </a:fld>
             <a:endParaRPr lang="en-US"/>
           </a:p>
@@ -1732,7 +1732,7 @@
             <a:fld id="{78C97017-6FC3-485B-9764-EAC9E56C1D49}" type="datetimeFigureOut">
               <a:rPr lang="en-US" smtClean="0"/>
               <a:pPr/>
-              <a:t>10/27/2016</a:t>
+              <a:t>11/6/2016</a:t>
             </a:fld>
             <a:endParaRPr lang="en-US"/>
           </a:p>
@@ -2156,7 +2156,7 @@
             <a:fld id="{78C97017-6FC3-485B-9764-EAC9E56C1D49}" type="datetimeFigureOut">
               <a:rPr lang="en-US" smtClean="0"/>
               <a:pPr/>
-              <a:t>10/27/2016</a:t>
+              <a:t>11/6/2016</a:t>
             </a:fld>
             <a:endParaRPr lang="en-US"/>
           </a:p>
@@ -2276,7 +2276,7 @@
             <a:fld id="{78C97017-6FC3-485B-9764-EAC9E56C1D49}" type="datetimeFigureOut">
               <a:rPr lang="en-US" smtClean="0"/>
               <a:pPr/>
-              <a:t>10/27/2016</a:t>
+              <a:t>11/6/2016</a:t>
             </a:fld>
             <a:endParaRPr lang="en-US"/>
           </a:p>
@@ -2373,7 +2373,7 @@
             <a:fld id="{78C97017-6FC3-485B-9764-EAC9E56C1D49}" type="datetimeFigureOut">
               <a:rPr lang="en-US" smtClean="0"/>
               <a:pPr/>
-              <a:t>10/27/2016</a:t>
+              <a:t>11/6/2016</a:t>
             </a:fld>
             <a:endParaRPr lang="en-US"/>
           </a:p>
@@ -2652,7 +2652,7 @@
             <a:fld id="{78C97017-6FC3-485B-9764-EAC9E56C1D49}" type="datetimeFigureOut">
               <a:rPr lang="en-US" smtClean="0"/>
               <a:pPr/>
-              <a:t>10/27/2016</a:t>
+              <a:t>11/6/2016</a:t>
             </a:fld>
             <a:endParaRPr lang="en-US"/>
           </a:p>
@@ -2907,7 +2907,7 @@
             <a:fld id="{78C97017-6FC3-485B-9764-EAC9E56C1D49}" type="datetimeFigureOut">
               <a:rPr lang="en-US" smtClean="0"/>
               <a:pPr/>
-              <a:t>10/27/2016</a:t>
+              <a:t>11/6/2016</a:t>
             </a:fld>
             <a:endParaRPr lang="en-US"/>
           </a:p>
@@ -3122,7 +3122,7 @@
             <a:fld id="{78C97017-6FC3-485B-9764-EAC9E56C1D49}" type="datetimeFigureOut">
               <a:rPr lang="en-US" smtClean="0"/>
               <a:pPr/>
-              <a:t>10/27/2016</a:t>
+              <a:t>11/6/2016</a:t>
             </a:fld>
             <a:endParaRPr lang="en-US"/>
           </a:p>
@@ -5651,7 +5651,11 @@
           <a:p>
             <a:r>
               <a:rPr lang="en-US" sz="1400" dirty="0" smtClean="0"/>
-              <a:t>delete 1</a:t>
+              <a:t>delete </a:t>
+            </a:r>
+            <a:r>
+              <a:rPr lang="en-US" sz="1400" dirty="0" smtClean="0"/>
+              <a:t>f1</a:t>
             </a:r>
             <a:endParaRPr lang="en-US" sz="1400" dirty="0"/>
           </a:p>
@@ -5702,7 +5706,7 @@
         <p:spPr>
           <a:xfrm>
             <a:off x="2062307" y="1453602"/>
-            <a:ext cx="1424846" cy="215444"/>
+            <a:ext cx="1513946" cy="215444"/>
           </a:xfrm>
           <a:prstGeom prst="rect">
             <a:avLst/>
@@ -5721,7 +5725,23 @@
                   <a:srgbClr val="0070C0"/>
                 </a:solidFill>
               </a:rPr>
-              <a:t>execute(“delete 1”)</a:t>
+              <a:t>execute(“delete </a:t>
+            </a:r>
+            <a:r>
+              <a:rPr lang="en-US" sz="1400" dirty="0" smtClean="0">
+                <a:solidFill>
+                  <a:srgbClr val="0070C0"/>
+                </a:solidFill>
+              </a:rPr>
+              <a:t>f1</a:t>
+            </a:r>
+            <a:r>
+              <a:rPr lang="en-US" sz="1400" dirty="0" smtClean="0">
+                <a:solidFill>
+                  <a:srgbClr val="0070C0"/>
+                </a:solidFill>
+              </a:rPr>
+              <a:t>”)</a:t>
             </a:r>
             <a:endParaRPr lang="en-US" sz="1400" dirty="0">
               <a:solidFill>
@@ -5775,8 +5795,8 @@
         </p:nvSpPr>
         <p:spPr>
           <a:xfrm>
-            <a:off x="4299772" y="1542583"/>
-            <a:ext cx="1424846" cy="215444"/>
+            <a:off x="4087122" y="1579398"/>
+            <a:ext cx="1571755" cy="215444"/>
           </a:xfrm>
           <a:prstGeom prst="rect">
             <a:avLst/>
@@ -5795,7 +5815,7 @@
                   <a:srgbClr val="7030A0"/>
                 </a:solidFill>
               </a:rPr>
-              <a:t>deletePerson</a:t>
+              <a:t>deleteFloatingTask</a:t>
             </a:r>
             <a:r>
               <a:rPr lang="en-US" sz="1400" dirty="0" smtClean="0">
@@ -5803,7 +5823,15 @@
                   <a:srgbClr val="7030A0"/>
                 </a:solidFill>
               </a:rPr>
-              <a:t>(p)</a:t>
+              <a:t>(p</a:t>
+            </a:r>
+            <a:r>
+              <a:rPr lang="en-US" sz="1400" dirty="0" smtClean="0">
+                <a:solidFill>
+                  <a:srgbClr val="7030A0"/>
+                </a:solidFill>
+              </a:rPr>
+              <a:t>)</a:t>
             </a:r>
             <a:endParaRPr lang="en-US" sz="1400" dirty="0">
               <a:solidFill>
@@ -5853,17 +5881,7 @@
                   </a:schemeClr>
                 </a:solidFill>
               </a:rPr>
-              <a:t>Malitio</a:t>
-            </a:r>
-            <a:r>
-              <a:rPr lang="en-US" sz="1400" dirty="0" err="1" smtClean="0">
-                <a:solidFill>
-                  <a:schemeClr val="accent5">
-                    <a:lumMod val="75000"/>
-                  </a:schemeClr>
-                </a:solidFill>
-              </a:rPr>
-              <a:t>ChangedEvent</a:t>
+              <a:t>MalitioChangedEvent</a:t>
             </a:r>
             <a:r>
               <a:rPr lang="en-US" sz="1400" dirty="0" smtClean="0">
@@ -6437,17 +6455,7 @@
                   </a:schemeClr>
                 </a:solidFill>
               </a:rPr>
-              <a:t>Malitio</a:t>
-            </a:r>
-            <a:r>
-              <a:rPr lang="en-US" sz="1400" dirty="0" err="1" smtClean="0">
-                <a:solidFill>
-                  <a:schemeClr val="accent5">
-                    <a:lumMod val="75000"/>
-                  </a:schemeClr>
-                </a:solidFill>
-              </a:rPr>
-              <a:t>ChangedEvent</a:t>
+              <a:t>MalitioChangedEvent</a:t>
             </a:r>
             <a:r>
               <a:rPr lang="en-US" sz="1400" dirty="0" smtClean="0">
@@ -12257,23 +12265,7 @@
                   <a:srgbClr val="0070C0"/>
                 </a:solidFill>
               </a:rPr>
-              <a:t>execute(“delete </a:t>
-            </a:r>
-            <a:r>
-              <a:rPr lang="en-US" sz="1400" dirty="0" smtClean="0">
-                <a:solidFill>
-                  <a:srgbClr val="0070C0"/>
-                </a:solidFill>
-              </a:rPr>
-              <a:t>f1</a:t>
-            </a:r>
-            <a:r>
-              <a:rPr lang="en-US" sz="1400" dirty="0" smtClean="0">
-                <a:solidFill>
-                  <a:srgbClr val="0070C0"/>
-                </a:solidFill>
-              </a:rPr>
-              <a:t>”)</a:t>
+              <a:t>execute(“delete f1”)</a:t>
             </a:r>
             <a:endParaRPr lang="en-US" sz="1400" dirty="0">
               <a:solidFill>
@@ -12882,15 +12874,7 @@
                   <a:srgbClr val="7030A0"/>
                 </a:solidFill>
               </a:rPr>
-              <a:t>(p</a:t>
-            </a:r>
-            <a:r>
-              <a:rPr lang="en-US" dirty="0" smtClean="0">
-                <a:solidFill>
-                  <a:srgbClr val="7030A0"/>
-                </a:solidFill>
-              </a:rPr>
-              <a:t>)</a:t>
+              <a:t>(p)</a:t>
             </a:r>
             <a:endParaRPr lang="en-US" dirty="0">
               <a:solidFill>
@@ -12976,15 +12960,7 @@
           <a:p>
             <a:r>
               <a:rPr lang="en-US" dirty="0" smtClean="0"/>
-              <a:t>parse(“delete </a:t>
-            </a:r>
-            <a:r>
-              <a:rPr lang="en-US" dirty="0" smtClean="0"/>
-              <a:t>f1</a:t>
-            </a:r>
-            <a:r>
-              <a:rPr lang="en-US" dirty="0" smtClean="0"/>
-              <a:t>”)</a:t>
+              <a:t>parse(“delete f1”)</a:t>
             </a:r>
             <a:endParaRPr lang="en-US" dirty="0"/>
           </a:p>

--- a/docs/diagrams/Diagrams.pptx
+++ b/docs/diagrams/Diagrams.pptx
@@ -5651,11 +5651,7 @@
           <a:p>
             <a:r>
               <a:rPr lang="en-US" sz="1400" dirty="0" smtClean="0"/>
-              <a:t>delete </a:t>
-            </a:r>
-            <a:r>
-              <a:rPr lang="en-US" sz="1400" dirty="0" smtClean="0"/>
-              <a:t>f1</a:t>
+              <a:t>delete f1</a:t>
             </a:r>
             <a:endParaRPr lang="en-US" sz="1400" dirty="0"/>
           </a:p>
@@ -5725,23 +5721,7 @@
                   <a:srgbClr val="0070C0"/>
                 </a:solidFill>
               </a:rPr>
-              <a:t>execute(“delete </a:t>
-            </a:r>
-            <a:r>
-              <a:rPr lang="en-US" sz="1400" dirty="0" smtClean="0">
-                <a:solidFill>
-                  <a:srgbClr val="0070C0"/>
-                </a:solidFill>
-              </a:rPr>
-              <a:t>f1</a:t>
-            </a:r>
-            <a:r>
-              <a:rPr lang="en-US" sz="1400" dirty="0" smtClean="0">
-                <a:solidFill>
-                  <a:srgbClr val="0070C0"/>
-                </a:solidFill>
-              </a:rPr>
-              <a:t>”)</a:t>
+              <a:t>execute(“delete f1”)</a:t>
             </a:r>
             <a:endParaRPr lang="en-US" sz="1400" dirty="0">
               <a:solidFill>
@@ -5795,8 +5775,8 @@
         </p:nvSpPr>
         <p:spPr>
           <a:xfrm>
-            <a:off x="4087122" y="1579398"/>
-            <a:ext cx="1571755" cy="215444"/>
+            <a:off x="4439767" y="1549055"/>
+            <a:ext cx="986991" cy="215444"/>
           </a:xfrm>
           <a:prstGeom prst="rect">
             <a:avLst/>
@@ -5815,7 +5795,7 @@
                   <a:srgbClr val="7030A0"/>
                 </a:solidFill>
               </a:rPr>
-              <a:t>deleteFloatingTask</a:t>
+              <a:t>deleteTask</a:t>
             </a:r>
             <a:r>
               <a:rPr lang="en-US" sz="1400" dirty="0" smtClean="0">
